--- a/Weekly Reports/Weekly Report 1.pptx
+++ b/Weekly Reports/Weekly Report 1.pptx
@@ -5780,15 +5780,6 @@
             </a:pPr>
             <a:r>
               <a:rPr lang="en-US" dirty="0"/>
-              <a:t>Discord set up</a:t>
-            </a:r>
-          </a:p>
-          <a:p>
-            <a:pPr marL="0" indent="0">
-              <a:buNone/>
-            </a:pPr>
-            <a:r>
-              <a:rPr lang="en-US" dirty="0"/>
               <a:t>Weekly Report Templating</a:t>
             </a:r>
           </a:p>
@@ -5809,10 +5800,139 @@
               <a:rPr lang="en-US" dirty="0"/>
               <a:t>Creating project plan/timeline</a:t>
             </a:r>
+          </a:p>
+          <a:p>
+            <a:pPr marL="0" indent="0">
+              <a:buNone/>
+            </a:pPr>
+            <a:r>
+              <a:rPr lang="en-US" dirty="0"/>
+              <a:t>Writing week 1 report</a:t>
+            </a:r>
             <a:endParaRPr lang="en-GB" dirty="0"/>
           </a:p>
         </p:txBody>
       </p:sp>
+      <p:pic>
+        <p:nvPicPr>
+          <p:cNvPr id="5" name="Picture 4">
+            <a:extLst>
+              <a:ext uri="{FF2B5EF4-FFF2-40B4-BE49-F238E27FC236}">
+                <a16:creationId xmlns:a16="http://schemas.microsoft.com/office/drawing/2014/main" id="{A212DE9F-1625-3142-E33E-0221A330B7DD}"/>
+              </a:ext>
+            </a:extLst>
+          </p:cNvPr>
+          <p:cNvPicPr>
+            <a:picLocks noChangeAspect="1"/>
+          </p:cNvPicPr>
+          <p:nvPr/>
+        </p:nvPicPr>
+        <p:blipFill>
+          <a:blip r:embed="rId2"/>
+          <a:stretch>
+            <a:fillRect/>
+          </a:stretch>
+        </p:blipFill>
+        <p:spPr>
+          <a:xfrm>
+            <a:off x="1014484" y="4229788"/>
+            <a:ext cx="3409666" cy="2451640"/>
+          </a:xfrm>
+          <a:prstGeom prst="rect">
+            <a:avLst/>
+          </a:prstGeom>
+        </p:spPr>
+      </p:pic>
+      <p:pic>
+        <p:nvPicPr>
+          <p:cNvPr id="7" name="Picture 6">
+            <a:extLst>
+              <a:ext uri="{FF2B5EF4-FFF2-40B4-BE49-F238E27FC236}">
+                <a16:creationId xmlns:a16="http://schemas.microsoft.com/office/drawing/2014/main" id="{8D1A7FF4-AFFC-0E7A-2DB0-DA2C5C1C97F9}"/>
+              </a:ext>
+            </a:extLst>
+          </p:cNvPr>
+          <p:cNvPicPr>
+            <a:picLocks noChangeAspect="1"/>
+          </p:cNvPicPr>
+          <p:nvPr/>
+        </p:nvPicPr>
+        <p:blipFill>
+          <a:blip r:embed="rId3"/>
+          <a:stretch>
+            <a:fillRect/>
+          </a:stretch>
+        </p:blipFill>
+        <p:spPr>
+          <a:xfrm>
+            <a:off x="5355544" y="986740"/>
+            <a:ext cx="940877" cy="3749034"/>
+          </a:xfrm>
+          <a:prstGeom prst="rect">
+            <a:avLst/>
+          </a:prstGeom>
+        </p:spPr>
+      </p:pic>
+      <p:pic>
+        <p:nvPicPr>
+          <p:cNvPr id="9" name="Picture 8">
+            <a:extLst>
+              <a:ext uri="{FF2B5EF4-FFF2-40B4-BE49-F238E27FC236}">
+                <a16:creationId xmlns:a16="http://schemas.microsoft.com/office/drawing/2014/main" id="{830C471B-B2D0-EAEB-CAF1-F7E71DC90622}"/>
+              </a:ext>
+            </a:extLst>
+          </p:cNvPr>
+          <p:cNvPicPr>
+            <a:picLocks noChangeAspect="1"/>
+          </p:cNvPicPr>
+          <p:nvPr/>
+        </p:nvPicPr>
+        <p:blipFill>
+          <a:blip r:embed="rId4"/>
+          <a:stretch>
+            <a:fillRect/>
+          </a:stretch>
+        </p:blipFill>
+        <p:spPr>
+          <a:xfrm>
+            <a:off x="5355545" y="4735774"/>
+            <a:ext cx="940430" cy="1238979"/>
+          </a:xfrm>
+          <a:prstGeom prst="rect">
+            <a:avLst/>
+          </a:prstGeom>
+        </p:spPr>
+      </p:pic>
+      <p:pic>
+        <p:nvPicPr>
+          <p:cNvPr id="10" name="Picture 9">
+            <a:extLst>
+              <a:ext uri="{FF2B5EF4-FFF2-40B4-BE49-F238E27FC236}">
+                <a16:creationId xmlns:a16="http://schemas.microsoft.com/office/drawing/2014/main" id="{CF143104-A9A2-F866-478D-4A7CB117F772}"/>
+              </a:ext>
+            </a:extLst>
+          </p:cNvPr>
+          <p:cNvPicPr>
+            <a:picLocks noChangeAspect="1"/>
+          </p:cNvPicPr>
+          <p:nvPr/>
+        </p:nvPicPr>
+        <p:blipFill>
+          <a:blip r:embed="rId5"/>
+          <a:stretch>
+            <a:fillRect/>
+          </a:stretch>
+        </p:blipFill>
+        <p:spPr>
+          <a:xfrm>
+            <a:off x="6663720" y="2110416"/>
+            <a:ext cx="5004343" cy="2445610"/>
+          </a:xfrm>
+          <a:prstGeom prst="rect">
+            <a:avLst/>
+          </a:prstGeom>
+        </p:spPr>
+      </p:pic>
     </p:spTree>
     <p:extLst>
       <p:ext uri="{BB962C8B-B14F-4D97-AF65-F5344CB8AC3E}">
